--- a/MVC.pptx
+++ b/MVC.pptx
@@ -5,7 +5,7 @@
     <p:sldMasterId id="2147483658" r:id="rId1"/>
   </p:sldMasterIdLst>
   <p:notesMasterIdLst>
-    <p:notesMasterId r:id="rId11"/>
+    <p:notesMasterId r:id="rId12"/>
   </p:notesMasterIdLst>
   <p:sldIdLst>
     <p:sldId id="256" r:id="rId2"/>
@@ -17,14 +17,15 @@
     <p:sldId id="297" r:id="rId8"/>
     <p:sldId id="298" r:id="rId9"/>
     <p:sldId id="299" r:id="rId10"/>
+    <p:sldId id="300" r:id="rId11"/>
   </p:sldIdLst>
   <p:sldSz cx="9144000" cy="5143500" type="screen16x9"/>
   <p:notesSz cx="6858000" cy="9144000"/>
   <p:embeddedFontLst>
     <p:embeddedFont>
       <p:font typeface="Quicksand" pitchFamily="2" charset="0"/>
-      <p:regular r:id="rId12"/>
-      <p:bold r:id="rId13"/>
+      <p:regular r:id="rId13"/>
+      <p:bold r:id="rId14"/>
     </p:embeddedFont>
   </p:embeddedFontLst>
   <p:defaultTextStyle>
@@ -256,6 +257,11 @@
       </a:defRPr>
     </a:lvl9pPr>
   </p:defaultTextStyle>
+  <p:extLst>
+    <p:ext uri="{EFAFB233-063F-42B5-8137-9DF3F51BA10A}">
+      <p15:sldGuideLst xmlns:p15="http://schemas.microsoft.com/office/powerpoint/2012/main"/>
+    </p:ext>
+  </p:extLst>
 </p:presentation>
 </file>
 
@@ -797,6 +803,115 @@
         </p:txBody>
       </p:sp>
     </p:spTree>
+  </p:cSld>
+  <p:clrMapOvr>
+    <a:masterClrMapping/>
+  </p:clrMapOvr>
+</p:notes>
+</file>
+
+<file path=ppt/notesSlides/notesSlide10.xml><?xml version="1.0" encoding="utf-8"?>
+<p:notes xmlns:a="http://schemas.openxmlformats.org/drawingml/2006/main" xmlns:r="http://schemas.openxmlformats.org/officeDocument/2006/relationships" xmlns:p="http://schemas.openxmlformats.org/presentationml/2006/main" showMasterSp="0" showMasterPhAnim="0">
+  <p:cSld>
+    <p:spTree>
+      <p:nvGrpSpPr>
+        <p:cNvPr id="1" name="Shape 90"/>
+        <p:cNvGrpSpPr/>
+        <p:nvPr/>
+      </p:nvGrpSpPr>
+      <p:grpSpPr>
+        <a:xfrm>
+          <a:off x="0" y="0"/>
+          <a:ext cx="0" cy="0"/>
+          <a:chOff x="0" y="0"/>
+          <a:chExt cx="0" cy="0"/>
+        </a:xfrm>
+      </p:grpSpPr>
+      <p:sp>
+        <p:nvSpPr>
+          <p:cNvPr id="91" name="Google Shape;91;g35f391192_029:notes"/>
+          <p:cNvSpPr>
+            <a:spLocks noGrp="1" noRot="1" noChangeAspect="1"/>
+          </p:cNvSpPr>
+          <p:nvPr>
+            <p:ph type="sldImg" idx="2"/>
+          </p:nvPr>
+        </p:nvSpPr>
+        <p:spPr>
+          <a:xfrm>
+            <a:off x="381000" y="685800"/>
+            <a:ext cx="6096000" cy="3429000"/>
+          </a:xfrm>
+          <a:custGeom>
+            <a:avLst/>
+            <a:gdLst/>
+            <a:ahLst/>
+            <a:cxnLst/>
+            <a:rect l="l" t="t" r="r" b="b"/>
+            <a:pathLst>
+              <a:path w="120000" h="120000" extrusionOk="0">
+                <a:moveTo>
+                  <a:pt x="0" y="0"/>
+                </a:moveTo>
+                <a:lnTo>
+                  <a:pt x="120000" y="0"/>
+                </a:lnTo>
+                <a:lnTo>
+                  <a:pt x="120000" y="120000"/>
+                </a:lnTo>
+                <a:lnTo>
+                  <a:pt x="0" y="120000"/>
+                </a:lnTo>
+                <a:close/>
+              </a:path>
+            </a:pathLst>
+          </a:custGeom>
+        </p:spPr>
+      </p:sp>
+      <p:sp>
+        <p:nvSpPr>
+          <p:cNvPr id="92" name="Google Shape;92;g35f391192_029:notes"/>
+          <p:cNvSpPr txBox="1">
+            <a:spLocks noGrp="1"/>
+          </p:cNvSpPr>
+          <p:nvPr>
+            <p:ph type="body" idx="1"/>
+          </p:nvPr>
+        </p:nvSpPr>
+        <p:spPr>
+          <a:xfrm>
+            <a:off x="685800" y="4343400"/>
+            <a:ext cx="5486400" cy="4114800"/>
+          </a:xfrm>
+          <a:prstGeom prst="rect">
+            <a:avLst/>
+          </a:prstGeom>
+        </p:spPr>
+        <p:txBody>
+          <a:bodyPr spcFirstLastPara="1" wrap="square" lIns="91425" tIns="91425" rIns="91425" bIns="91425" anchor="t" anchorCtr="0">
+            <a:noAutofit/>
+          </a:bodyPr>
+          <a:lstStyle/>
+          <a:p>
+            <a:pPr marL="0" lvl="0" indent="0" algn="l" rtl="0">
+              <a:spcBef>
+                <a:spcPts val="0"/>
+              </a:spcBef>
+              <a:spcAft>
+                <a:spcPts val="0"/>
+              </a:spcAft>
+              <a:buNone/>
+            </a:pPr>
+            <a:endParaRPr/>
+          </a:p>
+        </p:txBody>
+      </p:sp>
+    </p:spTree>
+    <p:extLst>
+      <p:ext uri="{BB962C8B-B14F-4D97-AF65-F5344CB8AC3E}">
+        <p14:creationId xmlns:p14="http://schemas.microsoft.com/office/powerpoint/2010/main" val="3397461319"/>
+      </p:ext>
+    </p:extLst>
   </p:cSld>
   <p:clrMapOvr>
     <a:masterClrMapping/>
@@ -5309,6 +5424,178 @@
 </p:sld>
 </file>
 
+<file path=ppt/slides/slide10.xml><?xml version="1.0" encoding="utf-8"?>
+<p:sld xmlns:a="http://schemas.openxmlformats.org/drawingml/2006/main" xmlns:r="http://schemas.openxmlformats.org/officeDocument/2006/relationships" xmlns:p="http://schemas.openxmlformats.org/presentationml/2006/main">
+  <p:cSld>
+    <p:spTree>
+      <p:nvGrpSpPr>
+        <p:cNvPr id="1" name="Shape 93"/>
+        <p:cNvGrpSpPr/>
+        <p:nvPr/>
+      </p:nvGrpSpPr>
+      <p:grpSpPr>
+        <a:xfrm>
+          <a:off x="0" y="0"/>
+          <a:ext cx="0" cy="0"/>
+          <a:chOff x="0" y="0"/>
+          <a:chExt cx="0" cy="0"/>
+        </a:xfrm>
+      </p:grpSpPr>
+      <p:sp>
+        <p:nvSpPr>
+          <p:cNvPr id="94" name="Google Shape;94;p15"/>
+          <p:cNvSpPr txBox="1">
+            <a:spLocks noGrp="1"/>
+          </p:cNvSpPr>
+          <p:nvPr>
+            <p:ph type="ctrTitle"/>
+          </p:nvPr>
+        </p:nvSpPr>
+        <p:spPr>
+          <a:xfrm>
+            <a:off x="1530175" y="2307788"/>
+            <a:ext cx="6767100" cy="532200"/>
+          </a:xfrm>
+          <a:prstGeom prst="rect">
+            <a:avLst/>
+          </a:prstGeom>
+        </p:spPr>
+        <p:txBody>
+          <a:bodyPr spcFirstLastPara="1" wrap="square" lIns="91425" tIns="91425" rIns="91425" bIns="91425" anchor="ctr" anchorCtr="0">
+            <a:noAutofit/>
+          </a:bodyPr>
+          <a:lstStyle/>
+          <a:p>
+            <a:pPr marL="0" lvl="0" indent="0" algn="l" rtl="0">
+              <a:spcBef>
+                <a:spcPts val="0"/>
+              </a:spcBef>
+              <a:spcAft>
+                <a:spcPts val="0"/>
+              </a:spcAft>
+              <a:buNone/>
+            </a:pPr>
+            <a:r>
+              <a:rPr lang="en-US"/>
+              <a:t>Demo</a:t>
+            </a:r>
+            <a:endParaRPr/>
+          </a:p>
+        </p:txBody>
+      </p:sp>
+      <p:sp>
+        <p:nvSpPr>
+          <p:cNvPr id="96" name="Google Shape;96;p15"/>
+          <p:cNvSpPr txBox="1"/>
+          <p:nvPr/>
+        </p:nvSpPr>
+        <p:spPr>
+          <a:xfrm>
+            <a:off x="526358" y="2279925"/>
+            <a:ext cx="802500" cy="589800"/>
+          </a:xfrm>
+          <a:prstGeom prst="rect">
+            <a:avLst/>
+          </a:prstGeom>
+          <a:noFill/>
+          <a:ln>
+            <a:noFill/>
+          </a:ln>
+        </p:spPr>
+        <p:txBody>
+          <a:bodyPr spcFirstLastPara="1" wrap="square" lIns="91425" tIns="91425" rIns="91425" bIns="91425" anchor="ctr" anchorCtr="0">
+            <a:noAutofit/>
+          </a:bodyPr>
+          <a:lstStyle/>
+          <a:p>
+            <a:pPr marL="0" lvl="0" indent="0" algn="ctr" rtl="0">
+              <a:spcBef>
+                <a:spcPts val="0"/>
+              </a:spcBef>
+              <a:spcAft>
+                <a:spcPts val="0"/>
+              </a:spcAft>
+              <a:buNone/>
+            </a:pPr>
+            <a:r>
+              <a:rPr lang="en" sz="3000">
+                <a:solidFill>
+                  <a:srgbClr val="2E3037"/>
+                </a:solidFill>
+                <a:latin typeface="Quicksand"/>
+                <a:ea typeface="Quicksand"/>
+                <a:cs typeface="Quicksand"/>
+                <a:sym typeface="Quicksand"/>
+              </a:rPr>
+              <a:t>4</a:t>
+            </a:r>
+            <a:endParaRPr sz="3000">
+              <a:solidFill>
+                <a:srgbClr val="2E3037"/>
+              </a:solidFill>
+              <a:latin typeface="Quicksand"/>
+              <a:ea typeface="Quicksand"/>
+              <a:cs typeface="Quicksand"/>
+              <a:sym typeface="Quicksand"/>
+            </a:endParaRPr>
+          </a:p>
+        </p:txBody>
+      </p:sp>
+      <p:sp>
+        <p:nvSpPr>
+          <p:cNvPr id="97" name="Google Shape;97;p15"/>
+          <p:cNvSpPr txBox="1">
+            <a:spLocks noGrp="1"/>
+          </p:cNvSpPr>
+          <p:nvPr>
+            <p:ph type="sldNum" idx="12"/>
+          </p:nvPr>
+        </p:nvSpPr>
+        <p:spPr>
+          <a:xfrm>
+            <a:off x="8523157" y="4752131"/>
+            <a:ext cx="548700" cy="315300"/>
+          </a:xfrm>
+          <a:prstGeom prst="rect">
+            <a:avLst/>
+          </a:prstGeom>
+        </p:spPr>
+        <p:txBody>
+          <a:bodyPr spcFirstLastPara="1" wrap="square" lIns="91425" tIns="91425" rIns="91425" bIns="91425" anchor="t" anchorCtr="0">
+            <a:noAutofit/>
+          </a:bodyPr>
+          <a:lstStyle/>
+          <a:p>
+            <a:pPr marL="0" lvl="0" indent="0" algn="r" rtl="0">
+              <a:spcBef>
+                <a:spcPts val="0"/>
+              </a:spcBef>
+              <a:spcAft>
+                <a:spcPts val="0"/>
+              </a:spcAft>
+              <a:buNone/>
+            </a:pPr>
+            <a:fld id="{00000000-1234-1234-1234-123412341234}" type="slidenum">
+              <a:rPr lang="en"/>
+              <a:t>10</a:t>
+            </a:fld>
+            <a:endParaRPr/>
+          </a:p>
+        </p:txBody>
+      </p:sp>
+    </p:spTree>
+    <p:extLst>
+      <p:ext uri="{BB962C8B-B14F-4D97-AF65-F5344CB8AC3E}">
+        <p14:creationId xmlns:p14="http://schemas.microsoft.com/office/powerpoint/2010/main" val="2013788839"/>
+      </p:ext>
+    </p:extLst>
+  </p:cSld>
+  <p:clrMapOvr>
+    <a:masterClrMapping/>
+  </p:clrMapOvr>
+</p:sld>
+</file>
+
 <file path=ppt/slides/slide2.xml><?xml version="1.0" encoding="utf-8"?>
 <p:sld xmlns:a="http://schemas.openxmlformats.org/drawingml/2006/main" xmlns:r="http://schemas.openxmlformats.org/officeDocument/2006/relationships" xmlns:p="http://schemas.openxmlformats.org/presentationml/2006/main">
   <p:cSld>
@@ -6454,6 +6741,123 @@
           </a:extLst>
         </p:spPr>
       </p:pic>
+      <p:sp>
+        <p:nvSpPr>
+          <p:cNvPr id="2" name="TextBox 1">
+            <a:extLst>
+              <a:ext uri="{FF2B5EF4-FFF2-40B4-BE49-F238E27FC236}">
+                <a16:creationId xmlns:a16="http://schemas.microsoft.com/office/drawing/2014/main" id="{50B3CA5D-4755-45C5-ACC1-7182328EEF52}"/>
+              </a:ext>
+            </a:extLst>
+          </p:cNvPr>
+          <p:cNvSpPr txBox="1"/>
+          <p:nvPr/>
+        </p:nvSpPr>
+        <p:spPr>
+          <a:xfrm>
+            <a:off x="5003193" y="2106637"/>
+            <a:ext cx="681597" cy="307777"/>
+          </a:xfrm>
+          <a:prstGeom prst="rect">
+            <a:avLst/>
+          </a:prstGeom>
+          <a:noFill/>
+        </p:spPr>
+        <p:txBody>
+          <a:bodyPr wrap="none" rtlCol="0">
+            <a:spAutoFit/>
+          </a:bodyPr>
+          <a:lstStyle/>
+          <a:p>
+            <a:r>
+              <a:rPr lang="en-US" b="1">
+                <a:solidFill>
+                  <a:schemeClr val="bg1"/>
+                </a:solidFill>
+              </a:rPr>
+              <a:t>HTML</a:t>
+            </a:r>
+          </a:p>
+        </p:txBody>
+      </p:sp>
+      <p:sp>
+        <p:nvSpPr>
+          <p:cNvPr id="13" name="TextBox 12">
+            <a:extLst>
+              <a:ext uri="{FF2B5EF4-FFF2-40B4-BE49-F238E27FC236}">
+                <a16:creationId xmlns:a16="http://schemas.microsoft.com/office/drawing/2014/main" id="{D170B418-282F-44E7-B32F-A85315327270}"/>
+              </a:ext>
+            </a:extLst>
+          </p:cNvPr>
+          <p:cNvSpPr txBox="1"/>
+          <p:nvPr/>
+        </p:nvSpPr>
+        <p:spPr>
+          <a:xfrm>
+            <a:off x="6511507" y="2173605"/>
+            <a:ext cx="593831" cy="307777"/>
+          </a:xfrm>
+          <a:prstGeom prst="rect">
+            <a:avLst/>
+          </a:prstGeom>
+          <a:noFill/>
+        </p:spPr>
+        <p:txBody>
+          <a:bodyPr wrap="square">
+            <a:spAutoFit/>
+          </a:bodyPr>
+          <a:lstStyle/>
+          <a:p>
+            <a:r>
+              <a:rPr lang="en-US" b="1">
+                <a:solidFill>
+                  <a:schemeClr val="bg1"/>
+                </a:solidFill>
+              </a:rPr>
+              <a:t>CSS</a:t>
+            </a:r>
+          </a:p>
+        </p:txBody>
+      </p:sp>
+      <p:sp>
+        <p:nvSpPr>
+          <p:cNvPr id="14" name="TextBox 13">
+            <a:extLst>
+              <a:ext uri="{FF2B5EF4-FFF2-40B4-BE49-F238E27FC236}">
+                <a16:creationId xmlns:a16="http://schemas.microsoft.com/office/drawing/2014/main" id="{FFA2867F-2A0A-4C76-9BC6-A42423C73DA6}"/>
+              </a:ext>
+            </a:extLst>
+          </p:cNvPr>
+          <p:cNvSpPr txBox="1"/>
+          <p:nvPr/>
+        </p:nvSpPr>
+        <p:spPr>
+          <a:xfrm>
+            <a:off x="8023475" y="2114238"/>
+            <a:ext cx="593831" cy="307777"/>
+          </a:xfrm>
+          <a:prstGeom prst="rect">
+            <a:avLst/>
+          </a:prstGeom>
+          <a:noFill/>
+        </p:spPr>
+        <p:txBody>
+          <a:bodyPr wrap="square">
+            <a:spAutoFit/>
+          </a:bodyPr>
+          <a:lstStyle/>
+          <a:p>
+            <a:r>
+              <a:rPr lang="en-US" b="1">
+                <a:solidFill>
+                  <a:schemeClr val="bg1"/>
+                </a:solidFill>
+              </a:rPr>
+              <a:t>JS</a:t>
+            </a:r>
+          </a:p>
+        </p:txBody>
+      </p:sp>
     </p:spTree>
   </p:cSld>
   <p:clrMapOvr>
